--- a/ShapeCrawler.Tests/Resource/006_1 slides.pptx
+++ b/ShapeCrawler.Tests/Resource/006_1 slides.pptx
@@ -268,7 +268,7 @@
           <a:p>
             <a:fld id="{2638AAA8-BCC5-4F10-BE49-E27B80A547D2}" type="datetimeFigureOut">
               <a:rPr lang="en-US" smtClean="0"/>
-              <a:t>2/13/2021</a:t>
+              <a:t>11/19/2022</a:t>
             </a:fld>
             <a:endParaRPr lang="en-US"/>
           </a:p>
@@ -468,7 +468,7 @@
           <a:p>
             <a:fld id="{2638AAA8-BCC5-4F10-BE49-E27B80A547D2}" type="datetimeFigureOut">
               <a:rPr lang="en-US" smtClean="0"/>
-              <a:t>2/13/2021</a:t>
+              <a:t>11/19/2022</a:t>
             </a:fld>
             <a:endParaRPr lang="en-US"/>
           </a:p>
@@ -678,7 +678,7 @@
           <a:p>
             <a:fld id="{2638AAA8-BCC5-4F10-BE49-E27B80A547D2}" type="datetimeFigureOut">
               <a:rPr lang="en-US" smtClean="0"/>
-              <a:t>2/13/2021</a:t>
+              <a:t>11/19/2022</a:t>
             </a:fld>
             <a:endParaRPr lang="en-US"/>
           </a:p>
@@ -878,7 +878,7 @@
           <a:p>
             <a:fld id="{2638AAA8-BCC5-4F10-BE49-E27B80A547D2}" type="datetimeFigureOut">
               <a:rPr lang="en-US" smtClean="0"/>
-              <a:t>2/13/2021</a:t>
+              <a:t>11/19/2022</a:t>
             </a:fld>
             <a:endParaRPr lang="en-US"/>
           </a:p>
@@ -1154,7 +1154,7 @@
           <a:p>
             <a:fld id="{2638AAA8-BCC5-4F10-BE49-E27B80A547D2}" type="datetimeFigureOut">
               <a:rPr lang="en-US" smtClean="0"/>
-              <a:t>2/13/2021</a:t>
+              <a:t>11/19/2022</a:t>
             </a:fld>
             <a:endParaRPr lang="en-US"/>
           </a:p>
@@ -1422,7 +1422,7 @@
           <a:p>
             <a:fld id="{2638AAA8-BCC5-4F10-BE49-E27B80A547D2}" type="datetimeFigureOut">
               <a:rPr lang="en-US" smtClean="0"/>
-              <a:t>2/13/2021</a:t>
+              <a:t>11/19/2022</a:t>
             </a:fld>
             <a:endParaRPr lang="en-US"/>
           </a:p>
@@ -1837,7 +1837,7 @@
           <a:p>
             <a:fld id="{2638AAA8-BCC5-4F10-BE49-E27B80A547D2}" type="datetimeFigureOut">
               <a:rPr lang="en-US" smtClean="0"/>
-              <a:t>2/13/2021</a:t>
+              <a:t>11/19/2022</a:t>
             </a:fld>
             <a:endParaRPr lang="en-US"/>
           </a:p>
@@ -1979,7 +1979,7 @@
           <a:p>
             <a:fld id="{2638AAA8-BCC5-4F10-BE49-E27B80A547D2}" type="datetimeFigureOut">
               <a:rPr lang="en-US" smtClean="0"/>
-              <a:t>2/13/2021</a:t>
+              <a:t>11/19/2022</a:t>
             </a:fld>
             <a:endParaRPr lang="en-US"/>
           </a:p>
@@ -2092,7 +2092,7 @@
           <a:p>
             <a:fld id="{2638AAA8-BCC5-4F10-BE49-E27B80A547D2}" type="datetimeFigureOut">
               <a:rPr lang="en-US" smtClean="0"/>
-              <a:t>2/13/2021</a:t>
+              <a:t>11/19/2022</a:t>
             </a:fld>
             <a:endParaRPr lang="en-US"/>
           </a:p>
@@ -2405,7 +2405,7 @@
           <a:p>
             <a:fld id="{2638AAA8-BCC5-4F10-BE49-E27B80A547D2}" type="datetimeFigureOut">
               <a:rPr lang="en-US" smtClean="0"/>
-              <a:t>2/13/2021</a:t>
+              <a:t>11/19/2022</a:t>
             </a:fld>
             <a:endParaRPr lang="en-US"/>
           </a:p>
@@ -2694,7 +2694,7 @@
           <a:p>
             <a:fld id="{2638AAA8-BCC5-4F10-BE49-E27B80A547D2}" type="datetimeFigureOut">
               <a:rPr lang="en-US" smtClean="0"/>
-              <a:t>2/13/2021</a:t>
+              <a:t>11/19/2022</a:t>
             </a:fld>
             <a:endParaRPr lang="en-US"/>
           </a:p>
@@ -2937,7 +2937,7 @@
           <a:p>
             <a:fld id="{2638AAA8-BCC5-4F10-BE49-E27B80A547D2}" type="datetimeFigureOut">
               <a:rPr lang="en-US" smtClean="0"/>
-              <a:t>2/13/2021</a:t>
+              <a:t>11/19/2022</a:t>
             </a:fld>
             <a:endParaRPr lang="en-US"/>
           </a:p>
@@ -3389,7 +3389,7 @@
       </p:sp>
       <p:sp>
         <p:nvSpPr>
-          <p:cNvPr id="3" name="Прямоугольник 2">
+          <p:cNvPr id="3" name="Shape 1">
             <a:extLst>
               <a:ext uri="{FF2B5EF4-FFF2-40B4-BE49-F238E27FC236}">
                 <a16:creationId xmlns:a16="http://schemas.microsoft.com/office/drawing/2014/main" id="{5121EBEC-CCE6-40B6-B083-9FC62DDC0150}"/>
